--- a/TechnicalRound/Java/05-Cloud/OpenShift/OpenShift Overview.pptx
+++ b/TechnicalRound/Java/05-Cloud/OpenShift/OpenShift Overview.pptx
@@ -300,7 +300,7 @@
           <a:p>
             <a:fld id="{861AB528-F135-426D-83F1-782CD8478125}" type="datetimeFigureOut">
               <a:rPr lang="en-IN" smtClean="0"/>
-              <a:t>16-01-2021</a:t>
+              <a:t>04-06-2025</a:t>
             </a:fld>
             <a:endParaRPr lang="en-IN"/>
           </a:p>
@@ -500,7 +500,7 @@
           <a:p>
             <a:fld id="{861AB528-F135-426D-83F1-782CD8478125}" type="datetimeFigureOut">
               <a:rPr lang="en-IN" smtClean="0"/>
-              <a:t>16-01-2021</a:t>
+              <a:t>04-06-2025</a:t>
             </a:fld>
             <a:endParaRPr lang="en-IN"/>
           </a:p>
@@ -710,7 +710,7 @@
           <a:p>
             <a:fld id="{861AB528-F135-426D-83F1-782CD8478125}" type="datetimeFigureOut">
               <a:rPr lang="en-IN" smtClean="0"/>
-              <a:t>16-01-2021</a:t>
+              <a:t>04-06-2025</a:t>
             </a:fld>
             <a:endParaRPr lang="en-IN"/>
           </a:p>
@@ -910,7 +910,7 @@
           <a:p>
             <a:fld id="{861AB528-F135-426D-83F1-782CD8478125}" type="datetimeFigureOut">
               <a:rPr lang="en-IN" smtClean="0"/>
-              <a:t>16-01-2021</a:t>
+              <a:t>04-06-2025</a:t>
             </a:fld>
             <a:endParaRPr lang="en-IN"/>
           </a:p>
@@ -1186,7 +1186,7 @@
           <a:p>
             <a:fld id="{861AB528-F135-426D-83F1-782CD8478125}" type="datetimeFigureOut">
               <a:rPr lang="en-IN" smtClean="0"/>
-              <a:t>16-01-2021</a:t>
+              <a:t>04-06-2025</a:t>
             </a:fld>
             <a:endParaRPr lang="en-IN"/>
           </a:p>
@@ -1454,7 +1454,7 @@
           <a:p>
             <a:fld id="{861AB528-F135-426D-83F1-782CD8478125}" type="datetimeFigureOut">
               <a:rPr lang="en-IN" smtClean="0"/>
-              <a:t>16-01-2021</a:t>
+              <a:t>04-06-2025</a:t>
             </a:fld>
             <a:endParaRPr lang="en-IN"/>
           </a:p>
@@ -1869,7 +1869,7 @@
           <a:p>
             <a:fld id="{861AB528-F135-426D-83F1-782CD8478125}" type="datetimeFigureOut">
               <a:rPr lang="en-IN" smtClean="0"/>
-              <a:t>16-01-2021</a:t>
+              <a:t>04-06-2025</a:t>
             </a:fld>
             <a:endParaRPr lang="en-IN"/>
           </a:p>
@@ -2011,7 +2011,7 @@
           <a:p>
             <a:fld id="{861AB528-F135-426D-83F1-782CD8478125}" type="datetimeFigureOut">
               <a:rPr lang="en-IN" smtClean="0"/>
-              <a:t>16-01-2021</a:t>
+              <a:t>04-06-2025</a:t>
             </a:fld>
             <a:endParaRPr lang="en-IN"/>
           </a:p>
@@ -2124,7 +2124,7 @@
           <a:p>
             <a:fld id="{861AB528-F135-426D-83F1-782CD8478125}" type="datetimeFigureOut">
               <a:rPr lang="en-IN" smtClean="0"/>
-              <a:t>16-01-2021</a:t>
+              <a:t>04-06-2025</a:t>
             </a:fld>
             <a:endParaRPr lang="en-IN"/>
           </a:p>
@@ -2437,7 +2437,7 @@
           <a:p>
             <a:fld id="{861AB528-F135-426D-83F1-782CD8478125}" type="datetimeFigureOut">
               <a:rPr lang="en-IN" smtClean="0"/>
-              <a:t>16-01-2021</a:t>
+              <a:t>04-06-2025</a:t>
             </a:fld>
             <a:endParaRPr lang="en-IN"/>
           </a:p>
@@ -2726,7 +2726,7 @@
           <a:p>
             <a:fld id="{861AB528-F135-426D-83F1-782CD8478125}" type="datetimeFigureOut">
               <a:rPr lang="en-IN" smtClean="0"/>
-              <a:t>16-01-2021</a:t>
+              <a:t>04-06-2025</a:t>
             </a:fld>
             <a:endParaRPr lang="en-IN"/>
           </a:p>
@@ -2999,7 +2999,7 @@
           <a:p>
             <a:fld id="{861AB528-F135-426D-83F1-782CD8478125}" type="datetimeFigureOut">
               <a:rPr lang="en-IN" smtClean="0"/>
-              <a:t>16-01-2021</a:t>
+              <a:t>04-06-2025</a:t>
             </a:fld>
             <a:endParaRPr lang="en-IN"/>
           </a:p>
@@ -4398,7 +4398,7 @@
             </a:r>
             <a:r>
               <a:rPr lang="en-US" b="1" dirty="0" err="1"/>
-              <a:t>kubctl</a:t>
+              <a:t>kubectl</a:t>
             </a:r>
             <a:r>
               <a:rPr lang="en-US" dirty="0"/>
